--- a/svg_test_output_specific.pptx
+++ b/svg_test_output_specific.pptx
@@ -6,6 +6,8 @@
   </p:sldMasterIdLst>
   <p:sldIdLst>
     <p:sldId id="256" r:id="rId7"/>
+    <p:sldId id="257" r:id="rId8"/>
+    <p:sldId id="258" r:id="rId9"/>
   </p:sldIdLst>
   <p:sldSz cx="14630400" cy="8229600" type="screen4x3"/>
   <p:notesSz cx="6858000" cy="9144000"/>
@@ -3088,12 +3090,48 @@
         <p:nvPr/>
       </p:nvGrpSpPr>
       <p:grpSpPr/>
+    </p:spTree>
+  </p:cSld>
+  <p:clrMapOvr>
+    <a:masterClrMapping/>
+  </p:clrMapOvr>
+</p:sld>
+</file>
+
+<file path=ppt/slides/slide2.xml><?xml version="1.0" encoding="utf-8"?>
+<p:sld xmlns:a="http://schemas.openxmlformats.org/drawingml/2006/main" xmlns:p="http://schemas.openxmlformats.org/presentationml/2006/main" xmlns:r="http://schemas.openxmlformats.org/officeDocument/2006/relationships">
+  <p:cSld>
+    <p:spTree>
+      <p:nvGrpSpPr>
+        <p:cNvPr id="1" name=""/>
+        <p:cNvGrpSpPr/>
+        <p:nvPr/>
+      </p:nvGrpSpPr>
+      <p:grpSpPr/>
+    </p:spTree>
+  </p:cSld>
+  <p:clrMapOvr>
+    <a:masterClrMapping/>
+  </p:clrMapOvr>
+</p:sld>
+</file>
+
+<file path=ppt/slides/slide3.xml><?xml version="1.0" encoding="utf-8"?>
+<p:sld xmlns:a="http://schemas.openxmlformats.org/drawingml/2006/main" xmlns:p="http://schemas.openxmlformats.org/presentationml/2006/main" xmlns:r="http://schemas.openxmlformats.org/officeDocument/2006/relationships">
+  <p:cSld>
+    <p:spTree>
+      <p:nvGrpSpPr>
+        <p:cNvPr id="1" name=""/>
+        <p:cNvGrpSpPr/>
+        <p:nvPr/>
+      </p:nvGrpSpPr>
+      <p:grpSpPr/>
       <p:pic>
         <p:nvPicPr>
           <p:cNvPr id="2" name="Vector 2">
             <a:extLst>
               <a:ext uri="{FF2B5EF4-FFF2-40B4-BE49-F238E27FC236}">
-                <a16:creationId xmlns:a16="http://schemas.microsoft.com/office/drawing/2014/main" id="{F5A74743-60FE-42BC-886B-0AD232872DF2}"/>
+                <a16:creationId xmlns:a16="http://schemas.microsoft.com/office/drawing/2014/main" id="{118F7B44-F991-4F09-97FA-315A41F0FC13}"/>
               </a:ext>
             </a:extLst>
           </p:cNvPr>
